--- a/文献调研.pptx
+++ b/文献调研.pptx
@@ -270,7 +270,7 @@
           <a:p>
             <a:fld id="{95367485-B163-4920-A33A-99034D9D008F}" type="datetimeFigureOut">
               <a:rPr lang="zh-CN" altLang="en-US" smtClean="0"/>
-              <a:t>2021/2/21</a:t>
+              <a:t>2021/4/12</a:t>
             </a:fld>
             <a:endParaRPr lang="zh-CN" altLang="en-US"/>
           </a:p>
@@ -468,7 +468,7 @@
           <a:p>
             <a:fld id="{95367485-B163-4920-A33A-99034D9D008F}" type="datetimeFigureOut">
               <a:rPr lang="zh-CN" altLang="en-US" smtClean="0"/>
-              <a:t>2021/2/21</a:t>
+              <a:t>2021/4/12</a:t>
             </a:fld>
             <a:endParaRPr lang="zh-CN" altLang="en-US"/>
           </a:p>
@@ -676,7 +676,7 @@
           <a:p>
             <a:fld id="{95367485-B163-4920-A33A-99034D9D008F}" type="datetimeFigureOut">
               <a:rPr lang="zh-CN" altLang="en-US" smtClean="0"/>
-              <a:t>2021/2/21</a:t>
+              <a:t>2021/4/12</a:t>
             </a:fld>
             <a:endParaRPr lang="zh-CN" altLang="en-US"/>
           </a:p>
@@ -874,7 +874,7 @@
           <a:p>
             <a:fld id="{95367485-B163-4920-A33A-99034D9D008F}" type="datetimeFigureOut">
               <a:rPr lang="zh-CN" altLang="en-US" smtClean="0"/>
-              <a:t>2021/2/21</a:t>
+              <a:t>2021/4/12</a:t>
             </a:fld>
             <a:endParaRPr lang="zh-CN" altLang="en-US"/>
           </a:p>
@@ -1149,7 +1149,7 @@
           <a:p>
             <a:fld id="{95367485-B163-4920-A33A-99034D9D008F}" type="datetimeFigureOut">
               <a:rPr lang="zh-CN" altLang="en-US" smtClean="0"/>
-              <a:t>2021/2/21</a:t>
+              <a:t>2021/4/12</a:t>
             </a:fld>
             <a:endParaRPr lang="zh-CN" altLang="en-US"/>
           </a:p>
@@ -1414,7 +1414,7 @@
           <a:p>
             <a:fld id="{95367485-B163-4920-A33A-99034D9D008F}" type="datetimeFigureOut">
               <a:rPr lang="zh-CN" altLang="en-US" smtClean="0"/>
-              <a:t>2021/2/21</a:t>
+              <a:t>2021/4/12</a:t>
             </a:fld>
             <a:endParaRPr lang="zh-CN" altLang="en-US"/>
           </a:p>
@@ -1826,7 +1826,7 @@
           <a:p>
             <a:fld id="{95367485-B163-4920-A33A-99034D9D008F}" type="datetimeFigureOut">
               <a:rPr lang="zh-CN" altLang="en-US" smtClean="0"/>
-              <a:t>2021/2/21</a:t>
+              <a:t>2021/4/12</a:t>
             </a:fld>
             <a:endParaRPr lang="zh-CN" altLang="en-US"/>
           </a:p>
@@ -1967,7 +1967,7 @@
           <a:p>
             <a:fld id="{95367485-B163-4920-A33A-99034D9D008F}" type="datetimeFigureOut">
               <a:rPr lang="zh-CN" altLang="en-US" smtClean="0"/>
-              <a:t>2021/2/21</a:t>
+              <a:t>2021/4/12</a:t>
             </a:fld>
             <a:endParaRPr lang="zh-CN" altLang="en-US"/>
           </a:p>
@@ -2080,7 +2080,7 @@
           <a:p>
             <a:fld id="{95367485-B163-4920-A33A-99034D9D008F}" type="datetimeFigureOut">
               <a:rPr lang="zh-CN" altLang="en-US" smtClean="0"/>
-              <a:t>2021/2/21</a:t>
+              <a:t>2021/4/12</a:t>
             </a:fld>
             <a:endParaRPr lang="zh-CN" altLang="en-US"/>
           </a:p>
@@ -2391,7 +2391,7 @@
           <a:p>
             <a:fld id="{95367485-B163-4920-A33A-99034D9D008F}" type="datetimeFigureOut">
               <a:rPr lang="zh-CN" altLang="en-US" smtClean="0"/>
-              <a:t>2021/2/21</a:t>
+              <a:t>2021/4/12</a:t>
             </a:fld>
             <a:endParaRPr lang="zh-CN" altLang="en-US"/>
           </a:p>
@@ -2679,7 +2679,7 @@
           <a:p>
             <a:fld id="{95367485-B163-4920-A33A-99034D9D008F}" type="datetimeFigureOut">
               <a:rPr lang="zh-CN" altLang="en-US" smtClean="0"/>
-              <a:t>2021/2/21</a:t>
+              <a:t>2021/4/12</a:t>
             </a:fld>
             <a:endParaRPr lang="zh-CN" altLang="en-US"/>
           </a:p>
@@ -2920,7 +2920,7 @@
           <a:p>
             <a:fld id="{95367485-B163-4920-A33A-99034D9D008F}" type="datetimeFigureOut">
               <a:rPr lang="zh-CN" altLang="en-US" smtClean="0"/>
-              <a:t>2021/2/21</a:t>
+              <a:t>2021/4/12</a:t>
             </a:fld>
             <a:endParaRPr lang="zh-CN" altLang="en-US"/>
           </a:p>
@@ -3798,6 +3798,42 @@
           <a:chExt cx="0" cy="0"/>
         </a:xfrm>
       </p:grpSpPr>
+      <p:sp>
+        <p:nvSpPr>
+          <p:cNvPr id="2" name="文本框 1">
+            <a:extLst>
+              <a:ext uri="{FF2B5EF4-FFF2-40B4-BE49-F238E27FC236}">
+                <a16:creationId xmlns:a16="http://schemas.microsoft.com/office/drawing/2014/main" id="{15A67ED1-1C12-4820-945A-939735E5460D}"/>
+              </a:ext>
+            </a:extLst>
+          </p:cNvPr>
+          <p:cNvSpPr txBox="1"/>
+          <p:nvPr/>
+        </p:nvSpPr>
+        <p:spPr>
+          <a:xfrm>
+            <a:off x="1611984" y="1762812"/>
+            <a:ext cx="45719" cy="1754326"/>
+          </a:xfrm>
+          <a:prstGeom prst="rect">
+            <a:avLst/>
+          </a:prstGeom>
+          <a:noFill/>
+        </p:spPr>
+        <p:txBody>
+          <a:bodyPr wrap="square" rtlCol="0">
+            <a:spAutoFit/>
+          </a:bodyPr>
+          <a:lstStyle/>
+          <a:p>
+            <a:r>
+              <a:rPr lang="en-US" altLang="zh-CN" dirty="0"/>
+              <a:t>123123</a:t>
+            </a:r>
+            <a:endParaRPr lang="zh-CN" altLang="en-US" dirty="0"/>
+          </a:p>
+        </p:txBody>
+      </p:sp>
     </p:spTree>
     <p:extLst>
       <p:ext uri="{BB962C8B-B14F-4D97-AF65-F5344CB8AC3E}">
